--- a/docs/Java Training Lab advanced.pptx
+++ b/docs/Java Training Lab advanced.pptx
@@ -2765,7 +2765,7 @@
         <p:spPr>
           <a:xfrm>
             <a:off x="11475720" y="6254640"/>
-            <a:ext cx="539280" cy="539280"/>
+            <a:ext cx="538920" cy="538920"/>
           </a:xfrm>
           <a:prstGeom prst="rect">
             <a:avLst/>
@@ -2788,7 +2788,7 @@
         <p:spPr>
           <a:xfrm>
             <a:off x="1845720" y="1364040"/>
-            <a:ext cx="1175400" cy="236520"/>
+            <a:ext cx="1175040" cy="236160"/>
           </a:xfrm>
           <a:prstGeom prst="rect">
             <a:avLst/>
@@ -2807,7 +2807,7 @@
         <p:spPr>
           <a:xfrm>
             <a:off x="1523880" y="1935000"/>
-            <a:ext cx="9141120" cy="2986560"/>
+            <a:ext cx="9140760" cy="2986200"/>
           </a:xfrm>
           <a:prstGeom prst="rect">
             <a:avLst/>
@@ -2856,13 +2856,7 @@
               <a:rPr b="0" lang="fr-FR" sz="4400" spc="-1" strike="noStrike">
                 <a:latin typeface="Arial"/>
               </a:rPr>
-              <a:t>Click to edit the title </a:t>
-            </a:r>
-            <a:r>
-              <a:rPr b="0" lang="fr-FR" sz="4400" spc="-1" strike="noStrike">
-                <a:latin typeface="Arial"/>
-              </a:rPr>
-              <a:t>text format</a:t>
+              <a:t>Click to edit the title text format</a:t>
             </a:r>
             <a:endParaRPr b="0" lang="fr-FR" sz="4400" spc="-1" strike="noStrike">
               <a:latin typeface="Arial"/>
@@ -3116,7 +3110,7 @@
         <p:spPr>
           <a:xfrm>
             <a:off x="11475720" y="6254640"/>
-            <a:ext cx="539280" cy="539280"/>
+            <a:ext cx="538920" cy="538920"/>
           </a:xfrm>
           <a:prstGeom prst="rect">
             <a:avLst/>
@@ -3396,7 +3390,7 @@
         <p:spPr>
           <a:xfrm>
             <a:off x="1756080" y="2978280"/>
-            <a:ext cx="8323920" cy="1871280"/>
+            <a:ext cx="8323560" cy="1870920"/>
           </a:xfrm>
           <a:prstGeom prst="rect">
             <a:avLst/>
@@ -3478,7 +3472,7 @@
         <p:spPr>
           <a:xfrm>
             <a:off x="1857600" y="5200920"/>
-            <a:ext cx="7359120" cy="327600"/>
+            <a:ext cx="7358760" cy="327240"/>
           </a:xfrm>
           <a:prstGeom prst="rect">
             <a:avLst/>
@@ -3538,7 +3532,7 @@
         <p:spPr>
           <a:xfrm>
             <a:off x="1857240" y="5496480"/>
-            <a:ext cx="7372800" cy="356760"/>
+            <a:ext cx="7372440" cy="356400"/>
           </a:xfrm>
           <a:prstGeom prst="rect">
             <a:avLst/>
@@ -3598,7 +3592,7 @@
         <p:spPr>
           <a:xfrm>
             <a:off x="6219000" y="6336000"/>
-            <a:ext cx="492480" cy="356400"/>
+            <a:ext cx="492120" cy="356040"/>
           </a:xfrm>
           <a:prstGeom prst="rect">
             <a:avLst/>
@@ -3624,7 +3618,7 @@
                 <a:spcPct val="100000"/>
               </a:lnSpc>
             </a:pPr>
-            <a:fld id="{39D4F9BC-05F6-4160-85C3-7F1F64991350}" type="slidenum">
+            <a:fld id="{37D8E986-AD56-4057-8C62-3C1FDC66CBA7}" type="slidenum">
               <a:rPr b="1" lang="de-DE" sz="800" spc="-1" strike="noStrike">
                 <a:solidFill>
                   <a:srgbClr val="202020"/>
@@ -3649,7 +3643,7 @@
         <p:spPr>
           <a:xfrm>
             <a:off x="3699720" y="6339240"/>
-            <a:ext cx="2516040" cy="356400"/>
+            <a:ext cx="2515680" cy="356040"/>
           </a:xfrm>
           <a:prstGeom prst="rect">
             <a:avLst/>
@@ -3743,13 +3737,13 @@
         </p:nvPicPr>
         <p:blipFill>
           <a:blip r:embed="rId1"/>
-          <a:srcRect l="0" t="0" r="25228" b="0"/>
+          <a:srcRect l="0" t="0" r="25225" b="0"/>
           <a:stretch/>
         </p:blipFill>
         <p:spPr>
           <a:xfrm>
             <a:off x="4500000" y="0"/>
-            <a:ext cx="7691400" cy="6855840"/>
+            <a:ext cx="7691040" cy="6855480"/>
           </a:xfrm>
           <a:prstGeom prst="rect">
             <a:avLst/>
@@ -3768,7 +3762,7 @@
         <p:spPr>
           <a:xfrm>
             <a:off x="0" y="3240"/>
-            <a:ext cx="9178200" cy="6854400"/>
+            <a:ext cx="9177840" cy="6854040"/>
           </a:xfrm>
           <a:prstGeom prst="rect">
             <a:avLst/>
@@ -3806,7 +3800,7 @@
         <p:spPr>
           <a:xfrm>
             <a:off x="609480" y="685800"/>
-            <a:ext cx="748800" cy="121680"/>
+            <a:ext cx="748440" cy="121320"/>
           </a:xfrm>
           <a:prstGeom prst="rect">
             <a:avLst/>
@@ -3834,7 +3828,7 @@
         <p:spPr>
           <a:xfrm>
             <a:off x="596880" y="1789200"/>
-            <a:ext cx="6781320" cy="4190760"/>
+            <a:ext cx="6780960" cy="4190400"/>
           </a:xfrm>
           <a:prstGeom prst="rect">
             <a:avLst/>
@@ -3885,7 +3879,7 @@
         <p:spPr>
           <a:xfrm>
             <a:off x="593640" y="1016640"/>
-            <a:ext cx="7506360" cy="443880"/>
+            <a:ext cx="7506000" cy="443520"/>
           </a:xfrm>
           <a:prstGeom prst="rect">
             <a:avLst/>
@@ -3945,7 +3939,7 @@
         <p:spPr>
           <a:xfrm>
             <a:off x="900000" y="2790000"/>
-            <a:ext cx="6120000" cy="1881720"/>
+            <a:ext cx="6119640" cy="1881360"/>
           </a:xfrm>
           <a:prstGeom prst="rect">
             <a:avLst/>
@@ -3977,6 +3971,7 @@
                   <a:srgbClr val="ffffff"/>
                 </a:solidFill>
                 <a:latin typeface="Arial"/>
+                <a:ea typeface="DejaVu Sans"/>
               </a:rPr>
               <a:t>- Read the file Drivers.txt</a:t>
             </a:r>
@@ -4006,6 +4001,7 @@
                   <a:srgbClr val="ffffff"/>
                 </a:solidFill>
                 <a:latin typeface="Arial"/>
+                <a:ea typeface="DejaVu Sans"/>
               </a:rPr>
               <a:t>- Clean the data from unusable lines :</a:t>
             </a:r>
@@ -4025,6 +4021,7 @@
                   <a:srgbClr val="ffffff"/>
                 </a:solidFill>
                 <a:latin typeface="Arial"/>
+                <a:ea typeface="DejaVu Sans"/>
               </a:rPr>
               <a:t>a line must not be empty</a:t>
             </a:r>
@@ -4044,6 +4041,7 @@
                   <a:srgbClr val="ffffff"/>
                 </a:solidFill>
                 <a:latin typeface="Arial"/>
+                <a:ea typeface="DejaVu Sans"/>
               </a:rPr>
               <a:t>a line must only contain alphanumeric caracters +’;’and ‘.’</a:t>
             </a:r>
@@ -4063,6 +4061,7 @@
                   <a:srgbClr val="ffffff"/>
                 </a:solidFill>
                 <a:latin typeface="Arial"/>
+                <a:ea typeface="DejaVu Sans"/>
               </a:rPr>
               <a:t>Driver name must not be empty</a:t>
             </a:r>
@@ -4082,6 +4081,7 @@
                   <a:srgbClr val="ffffff"/>
                 </a:solidFill>
                 <a:latin typeface="Arial"/>
+                <a:ea typeface="DejaVu Sans"/>
               </a:rPr>
               <a:t>Category can be empty (S : small, M: medium, L: large)</a:t>
             </a:r>
@@ -4111,6 +4111,7 @@
                   <a:srgbClr val="ffffff"/>
                 </a:solidFill>
                 <a:latin typeface="Arial"/>
+                <a:ea typeface="DejaVu Sans"/>
               </a:rPr>
               <a:t>- Map the data into Driver object with a name and a category (default: Medium)</a:t>
             </a:r>
@@ -4120,10 +4121,133 @@
           </a:p>
         </p:txBody>
       </p:sp>
+      <p:sp>
+        <p:nvSpPr>
+          <p:cNvPr id="91" name=""/>
+          <p:cNvSpPr/>
+          <p:nvPr/>
+        </p:nvSpPr>
+        <p:spPr>
+          <a:xfrm>
+            <a:off x="7920000" y="1440000"/>
+            <a:ext cx="2338560" cy="1170000"/>
+          </a:xfrm>
+          <a:prstGeom prst="wedgeRoundRectCallout">
+            <a:avLst>
+              <a:gd name="adj1" fmla="val -40208"/>
+              <a:gd name="adj2" fmla="val 71593"/>
+              <a:gd name="adj3" fmla="val 16667"/>
+            </a:avLst>
+          </a:prstGeom>
+          <a:solidFill>
+            <a:srgbClr val="5eb91e"/>
+          </a:solidFill>
+          <a:ln w="36000">
+            <a:solidFill>
+              <a:srgbClr val="468a1a"/>
+            </a:solidFill>
+            <a:round/>
+          </a:ln>
+        </p:spPr>
+        <p:style>
+          <a:lnRef idx="0"/>
+          <a:fillRef idx="0"/>
+          <a:effectRef idx="0"/>
+          <a:fontRef idx="minor"/>
+        </p:style>
+        <p:txBody>
+          <a:bodyPr wrap="none" lIns="90000" rIns="90000" tIns="45000" bIns="45000" anchor="ctr">
+            <a:noAutofit/>
+          </a:bodyPr>
+          <a:p>
+            <a:pPr algn="ctr">
+              <a:lnSpc>
+                <a:spcPct val="100000"/>
+              </a:lnSpc>
+            </a:pPr>
+            <a:r>
+              <a:rPr b="0" lang="fr-FR" sz="1800" spc="-1" strike="noStrike">
+                <a:solidFill>
+                  <a:srgbClr val="ffffff"/>
+                </a:solidFill>
+                <a:latin typeface="Arial"/>
+                <a:ea typeface="DejaVu Sans"/>
+              </a:rPr>
+              <a:t>« Make it work,</a:t>
+            </a:r>
+            <a:endParaRPr b="0" lang="fr-FR" sz="1800" spc="-1" strike="noStrike">
+              <a:latin typeface="Arial"/>
+            </a:endParaRPr>
+          </a:p>
+          <a:p>
+            <a:pPr algn="ctr">
+              <a:lnSpc>
+                <a:spcPct val="100000"/>
+              </a:lnSpc>
+            </a:pPr>
+            <a:r>
+              <a:rPr b="0" lang="fr-FR" sz="1800" spc="-1" strike="noStrike">
+                <a:solidFill>
+                  <a:srgbClr val="ffffff"/>
+                </a:solidFill>
+                <a:latin typeface="Arial"/>
+                <a:ea typeface="DejaVu Sans"/>
+              </a:rPr>
+              <a:t>Make it right,</a:t>
+            </a:r>
+            <a:endParaRPr b="0" lang="fr-FR" sz="1800" spc="-1" strike="noStrike">
+              <a:latin typeface="Arial"/>
+            </a:endParaRPr>
+          </a:p>
+          <a:p>
+            <a:pPr algn="ctr">
+              <a:lnSpc>
+                <a:spcPct val="100000"/>
+              </a:lnSpc>
+            </a:pPr>
+            <a:r>
+              <a:rPr b="0" lang="fr-FR" sz="1800" spc="-1" strike="noStrike">
+                <a:solidFill>
+                  <a:srgbClr val="ffffff"/>
+                </a:solidFill>
+                <a:latin typeface="Arial"/>
+                <a:ea typeface="DejaVu Sans"/>
+              </a:rPr>
+              <a:t>Make it fast »</a:t>
+            </a:r>
+            <a:endParaRPr b="0" lang="fr-FR" sz="1800" spc="-1" strike="noStrike">
+              <a:latin typeface="Arial"/>
+            </a:endParaRPr>
+          </a:p>
+          <a:p>
+            <a:pPr algn="r">
+              <a:lnSpc>
+                <a:spcPct val="100000"/>
+              </a:lnSpc>
+              <a:tabLst>
+                <a:tab algn="l" pos="408240"/>
+              </a:tabLst>
+            </a:pPr>
+            <a:r>
+              <a:rPr b="0" lang="fr-FR" sz="1200" spc="-1" strike="noStrike">
+                <a:solidFill>
+                  <a:srgbClr val="ffffff"/>
+                </a:solidFill>
+                <a:latin typeface="Arial"/>
+                <a:ea typeface="DejaVu Sans"/>
+              </a:rPr>
+              <a:t>Kent Beck</a:t>
+            </a:r>
+            <a:endParaRPr b="0" lang="fr-FR" sz="1200" spc="-1" strike="noStrike">
+              <a:latin typeface="Arial"/>
+            </a:endParaRPr>
+          </a:p>
+        </p:txBody>
+      </p:sp>
     </p:spTree>
   </p:cSld>
   <p:transition spd="slow">
-    <p:push dir="l"/>
+    <p:push dir="r"/>
   </p:transition>
 </p:sld>
 </file>
@@ -4147,19 +4271,19 @@
       </p:grpSpPr>
       <p:pic>
         <p:nvPicPr>
-          <p:cNvPr id="91" name="" descr=""/>
+          <p:cNvPr id="92" name="" descr=""/>
           <p:cNvPicPr/>
           <p:nvPr/>
         </p:nvPicPr>
         <p:blipFill>
           <a:blip r:embed="rId1"/>
-          <a:srcRect l="0" t="0" r="25228" b="0"/>
+          <a:srcRect l="0" t="0" r="25225" b="0"/>
           <a:stretch/>
         </p:blipFill>
         <p:spPr>
           <a:xfrm>
             <a:off x="4500000" y="0"/>
-            <a:ext cx="7691400" cy="6855840"/>
+            <a:ext cx="7691040" cy="6855480"/>
           </a:xfrm>
           <a:prstGeom prst="rect">
             <a:avLst/>
@@ -4171,14 +4295,14 @@
       </p:pic>
       <p:sp>
         <p:nvSpPr>
-          <p:cNvPr id="92" name="Content Placeholder 2_0"/>
+          <p:cNvPr id="93" name="Content Placeholder 2_0"/>
           <p:cNvSpPr/>
           <p:nvPr/>
         </p:nvSpPr>
         <p:spPr>
           <a:xfrm>
             <a:off x="0" y="3240"/>
-            <a:ext cx="9178200" cy="6854400"/>
+            <a:ext cx="9177840" cy="6854040"/>
           </a:xfrm>
           <a:prstGeom prst="rect">
             <a:avLst/>
@@ -4209,14 +4333,14 @@
       </p:sp>
       <p:sp>
         <p:nvSpPr>
-          <p:cNvPr id="93" name="Content Placeholder 3_1"/>
+          <p:cNvPr id="94" name="Content Placeholder 3_1"/>
           <p:cNvSpPr/>
           <p:nvPr/>
         </p:nvSpPr>
         <p:spPr>
           <a:xfrm>
             <a:off x="609480" y="685800"/>
-            <a:ext cx="748800" cy="121680"/>
+            <a:ext cx="748440" cy="121320"/>
           </a:xfrm>
           <a:prstGeom prst="rect">
             <a:avLst/>
@@ -4237,14 +4361,14 @@
       </p:sp>
       <p:sp>
         <p:nvSpPr>
-          <p:cNvPr id="94" name="Title 4_1"/>
+          <p:cNvPr id="95" name="Title 4_1"/>
           <p:cNvSpPr/>
           <p:nvPr/>
         </p:nvSpPr>
         <p:spPr>
           <a:xfrm>
             <a:off x="596880" y="1789200"/>
-            <a:ext cx="6781320" cy="4190760"/>
+            <a:ext cx="6780960" cy="4190400"/>
           </a:xfrm>
           <a:prstGeom prst="rect">
             <a:avLst/>
@@ -4288,14 +4412,14 @@
       </p:sp>
       <p:sp>
         <p:nvSpPr>
-          <p:cNvPr id="95" name="Text Placeholder 5_1"/>
+          <p:cNvPr id="96" name="Text Placeholder 5_1"/>
           <p:cNvSpPr/>
           <p:nvPr/>
         </p:nvSpPr>
         <p:spPr>
           <a:xfrm>
             <a:off x="593640" y="1016640"/>
-            <a:ext cx="5886000" cy="443880"/>
+            <a:ext cx="5885640" cy="443520"/>
           </a:xfrm>
           <a:prstGeom prst="rect">
             <a:avLst/>
@@ -4348,14 +4472,14 @@
       </p:sp>
       <p:sp>
         <p:nvSpPr>
-          <p:cNvPr id="96" name=""/>
+          <p:cNvPr id="97" name=""/>
           <p:cNvSpPr/>
           <p:nvPr/>
         </p:nvSpPr>
         <p:spPr>
           <a:xfrm>
             <a:off x="900000" y="2790000"/>
-            <a:ext cx="5099760" cy="2393640"/>
+            <a:ext cx="5099400" cy="2393280"/>
           </a:xfrm>
           <a:prstGeom prst="rect">
             <a:avLst/>
@@ -4374,14 +4498,14 @@
       </p:sp>
       <p:sp>
         <p:nvSpPr>
-          <p:cNvPr id="97" name=""/>
-          <p:cNvSpPr txBox="1"/>
+          <p:cNvPr id="98" name=""/>
+          <p:cNvSpPr/>
           <p:nvPr/>
         </p:nvSpPr>
         <p:spPr>
           <a:xfrm>
             <a:off x="1620000" y="2700000"/>
-            <a:ext cx="8314200" cy="1370160"/>
+            <a:ext cx="8313840" cy="1369800"/>
           </a:xfrm>
           <a:prstGeom prst="rect">
             <a:avLst/>
@@ -4391,11 +4515,22 @@
             <a:noFill/>
           </a:ln>
         </p:spPr>
+        <p:style>
+          <a:lnRef idx="0"/>
+          <a:fillRef idx="0"/>
+          <a:effectRef idx="0"/>
+          <a:fontRef idx="minor"/>
+        </p:style>
         <p:txBody>
           <a:bodyPr lIns="90000" rIns="90000" tIns="45000" bIns="45000">
             <a:noAutofit/>
           </a:bodyPr>
           <a:p>
+            <a:pPr>
+              <a:lnSpc>
+                <a:spcPct val="100000"/>
+              </a:lnSpc>
+            </a:pPr>
             <a:r>
               <a:rPr b="0" lang="fr-FR" sz="1800" spc="-1" strike="noStrike">
                 <a:solidFill>
@@ -4410,11 +4545,21 @@
             </a:endParaRPr>
           </a:p>
           <a:p>
+            <a:pPr>
+              <a:lnSpc>
+                <a:spcPct val="100000"/>
+              </a:lnSpc>
+            </a:pPr>
             <a:endParaRPr b="0" lang="fr-FR" sz="1800" spc="-1" strike="noStrike">
               <a:latin typeface="Arial"/>
             </a:endParaRPr>
           </a:p>
           <a:p>
+            <a:pPr>
+              <a:lnSpc>
+                <a:spcPct val="100000"/>
+              </a:lnSpc>
+            </a:pPr>
             <a:r>
               <a:rPr b="0" lang="fr-FR" sz="1800" spc="-1" strike="noStrike">
                 <a:solidFill>
@@ -4429,11 +4574,21 @@
             </a:endParaRPr>
           </a:p>
           <a:p>
+            <a:pPr>
+              <a:lnSpc>
+                <a:spcPct val="100000"/>
+              </a:lnSpc>
+            </a:pPr>
             <a:endParaRPr b="0" lang="fr-FR" sz="1800" spc="-1" strike="noStrike">
               <a:latin typeface="Arial"/>
             </a:endParaRPr>
           </a:p>
           <a:p>
+            <a:pPr>
+              <a:lnSpc>
+                <a:spcPct val="100000"/>
+              </a:lnSpc>
+            </a:pPr>
             <a:r>
               <a:rPr b="0" lang="fr-FR" sz="1800" spc="-1" strike="noStrike">
                 <a:solidFill>
@@ -4452,7 +4607,7 @@
     </p:spTree>
   </p:cSld>
   <p:transition spd="slow">
-    <p:push dir="l"/>
+    <p:push dir="r"/>
   </p:transition>
 </p:sld>
 </file>
@@ -4476,19 +4631,19 @@
       </p:grpSpPr>
       <p:pic>
         <p:nvPicPr>
-          <p:cNvPr id="98" name="" descr=""/>
+          <p:cNvPr id="99" name="" descr=""/>
           <p:cNvPicPr/>
           <p:nvPr/>
         </p:nvPicPr>
         <p:blipFill>
           <a:blip r:embed="rId1"/>
-          <a:srcRect l="0" t="0" r="25228" b="0"/>
+          <a:srcRect l="0" t="0" r="25225" b="0"/>
           <a:stretch/>
         </p:blipFill>
         <p:spPr>
           <a:xfrm>
             <a:off x="4500000" y="0"/>
-            <a:ext cx="7691400" cy="6855840"/>
+            <a:ext cx="7691040" cy="6855480"/>
           </a:xfrm>
           <a:prstGeom prst="rect">
             <a:avLst/>
@@ -4500,14 +4655,14 @@
       </p:pic>
       <p:sp>
         <p:nvSpPr>
-          <p:cNvPr id="99" name="Content Placeholder 2_1"/>
+          <p:cNvPr id="100" name="Content Placeholder 2_1"/>
           <p:cNvSpPr/>
           <p:nvPr/>
         </p:nvSpPr>
         <p:spPr>
           <a:xfrm>
             <a:off x="0" y="3240"/>
-            <a:ext cx="9178200" cy="6854400"/>
+            <a:ext cx="9177840" cy="6854040"/>
           </a:xfrm>
           <a:prstGeom prst="rect">
             <a:avLst/>
@@ -4538,14 +4693,14 @@
       </p:sp>
       <p:sp>
         <p:nvSpPr>
-          <p:cNvPr id="100" name="Content Placeholder 3_2"/>
+          <p:cNvPr id="101" name="Content Placeholder 3_2"/>
           <p:cNvSpPr/>
           <p:nvPr/>
         </p:nvSpPr>
         <p:spPr>
           <a:xfrm>
             <a:off x="609480" y="685800"/>
-            <a:ext cx="748800" cy="121680"/>
+            <a:ext cx="748440" cy="121320"/>
           </a:xfrm>
           <a:prstGeom prst="rect">
             <a:avLst/>
@@ -4566,14 +4721,14 @@
       </p:sp>
       <p:sp>
         <p:nvSpPr>
-          <p:cNvPr id="101" name="Title 4_2"/>
+          <p:cNvPr id="102" name="Title 4_2"/>
           <p:cNvSpPr/>
           <p:nvPr/>
         </p:nvSpPr>
         <p:spPr>
           <a:xfrm>
             <a:off x="596880" y="1789200"/>
-            <a:ext cx="6781320" cy="4190760"/>
+            <a:ext cx="6780960" cy="4190400"/>
           </a:xfrm>
           <a:prstGeom prst="rect">
             <a:avLst/>
@@ -4617,14 +4772,14 @@
       </p:sp>
       <p:sp>
         <p:nvSpPr>
-          <p:cNvPr id="102" name="Text Placeholder 5_2"/>
+          <p:cNvPr id="103" name="Text Placeholder 5_2"/>
           <p:cNvSpPr/>
           <p:nvPr/>
         </p:nvSpPr>
         <p:spPr>
           <a:xfrm>
             <a:off x="593640" y="1016640"/>
-            <a:ext cx="6426360" cy="443880"/>
+            <a:ext cx="6426000" cy="443520"/>
           </a:xfrm>
           <a:prstGeom prst="rect">
             <a:avLst/>
@@ -4677,14 +4832,14 @@
       </p:sp>
       <p:sp>
         <p:nvSpPr>
-          <p:cNvPr id="103" name=""/>
+          <p:cNvPr id="104" name=""/>
           <p:cNvSpPr/>
           <p:nvPr/>
         </p:nvSpPr>
         <p:spPr>
           <a:xfrm>
             <a:off x="900000" y="2790000"/>
-            <a:ext cx="6392160" cy="1625760"/>
+            <a:ext cx="6391800" cy="1625400"/>
           </a:xfrm>
           <a:prstGeom prst="rect">
             <a:avLst/>
@@ -4715,7 +4870,7 @@
             </a:endParaRPr>
           </a:p>
           <a:p>
-            <a:pPr marL="216000" indent="-215640">
+            <a:pPr marL="216000" indent="-215280">
               <a:lnSpc>
                 <a:spcPct val="100000"/>
               </a:lnSpc>
@@ -4732,6 +4887,7 @@
                   <a:srgbClr val="ffffff"/>
                 </a:solidFill>
                 <a:latin typeface="Arial"/>
+                <a:ea typeface="DejaVu Sans"/>
               </a:rPr>
               <a:t> </a:t>
             </a:r>
@@ -4743,14 +4899,14 @@
       </p:sp>
       <p:sp>
         <p:nvSpPr>
-          <p:cNvPr id="104" name=""/>
-          <p:cNvSpPr txBox="1"/>
+          <p:cNvPr id="105" name=""/>
+          <p:cNvSpPr/>
           <p:nvPr/>
         </p:nvSpPr>
         <p:spPr>
           <a:xfrm>
             <a:off x="1601640" y="2700000"/>
-            <a:ext cx="7259760" cy="1370160"/>
+            <a:ext cx="7259400" cy="1369800"/>
           </a:xfrm>
           <a:prstGeom prst="rect">
             <a:avLst/>
@@ -4760,11 +4916,22 @@
             <a:noFill/>
           </a:ln>
         </p:spPr>
+        <p:style>
+          <a:lnRef idx="0"/>
+          <a:fillRef idx="0"/>
+          <a:effectRef idx="0"/>
+          <a:fontRef idx="minor"/>
+        </p:style>
         <p:txBody>
           <a:bodyPr lIns="90000" rIns="90000" tIns="45000" bIns="45000">
             <a:noAutofit/>
           </a:bodyPr>
           <a:p>
+            <a:pPr>
+              <a:lnSpc>
+                <a:spcPct val="100000"/>
+              </a:lnSpc>
+            </a:pPr>
             <a:r>
               <a:rPr b="0" lang="fr-FR" sz="1800" spc="-1" strike="noStrike">
                 <a:solidFill>
@@ -4779,11 +4946,21 @@
             </a:endParaRPr>
           </a:p>
           <a:p>
+            <a:pPr>
+              <a:lnSpc>
+                <a:spcPct val="100000"/>
+              </a:lnSpc>
+            </a:pPr>
             <a:endParaRPr b="0" lang="fr-FR" sz="1800" spc="-1" strike="noStrike">
               <a:latin typeface="Arial"/>
             </a:endParaRPr>
           </a:p>
           <a:p>
+            <a:pPr>
+              <a:lnSpc>
+                <a:spcPct val="100000"/>
+              </a:lnSpc>
+            </a:pPr>
             <a:r>
               <a:rPr b="0" lang="fr-FR" sz="1800" spc="-1" strike="noStrike">
                 <a:solidFill>
@@ -4798,11 +4975,21 @@
             </a:endParaRPr>
           </a:p>
           <a:p>
+            <a:pPr>
+              <a:lnSpc>
+                <a:spcPct val="100000"/>
+              </a:lnSpc>
+            </a:pPr>
             <a:endParaRPr b="0" lang="fr-FR" sz="1800" spc="-1" strike="noStrike">
               <a:latin typeface="Arial"/>
             </a:endParaRPr>
           </a:p>
           <a:p>
+            <a:pPr>
+              <a:lnSpc>
+                <a:spcPct val="100000"/>
+              </a:lnSpc>
+            </a:pPr>
             <a:r>
               <a:rPr b="0" lang="fr-FR" sz="1800" spc="-1" strike="noStrike">
                 <a:solidFill>
@@ -4821,7 +5008,7 @@
     </p:spTree>
   </p:cSld>
   <p:transition spd="slow">
-    <p:push dir="l"/>
+    <p:push dir="r"/>
   </p:transition>
 </p:sld>
 </file>
